--- a/New Microsoft PowerPoint Presentation.pptx
+++ b/New Microsoft PowerPoint Presentation.pptx
@@ -6,8 +6,10 @@
   </p:sldMasterIdLst>
   <p:sldIdLst>
     <p:sldId id="256" r:id="rId2"/>
-    <p:sldId id="257" r:id="rId3"/>
-    <p:sldId id="258" r:id="rId4"/>
+    <p:sldId id="259" r:id="rId3"/>
+    <p:sldId id="257" r:id="rId4"/>
+    <p:sldId id="258" r:id="rId5"/>
+    <p:sldId id="260" r:id="rId6"/>
   </p:sldIdLst>
   <p:sldSz cx="12192000" cy="6858000"/>
   <p:notesSz cx="6858000" cy="9144000"/>
@@ -106,6 +108,11 @@
       </a:defRPr>
     </a:lvl9pPr>
   </p:defaultTextStyle>
+  <p:extLst>
+    <p:ext uri="{EFAFB233-063F-42B5-8137-9DF3F51BA10A}">
+      <p15:sldGuideLst xmlns:p15="http://schemas.microsoft.com/office/powerpoint/2012/main"/>
+    </p:ext>
+  </p:extLst>
 </p:presentation>
 </file>
 
@@ -258,7 +265,7 @@
           <a:p>
             <a:fld id="{C59300EC-AA39-42DF-9AAA-13D32A43029A}" type="datetimeFigureOut">
               <a:rPr lang="en-GB" smtClean="0"/>
-              <a:t>13/01/2022</a:t>
+              <a:t>17/01/2022</a:t>
             </a:fld>
             <a:endParaRPr lang="en-GB"/>
           </a:p>
@@ -458,7 +465,7 @@
           <a:p>
             <a:fld id="{C59300EC-AA39-42DF-9AAA-13D32A43029A}" type="datetimeFigureOut">
               <a:rPr lang="en-GB" smtClean="0"/>
-              <a:t>13/01/2022</a:t>
+              <a:t>17/01/2022</a:t>
             </a:fld>
             <a:endParaRPr lang="en-GB"/>
           </a:p>
@@ -668,7 +675,7 @@
           <a:p>
             <a:fld id="{C59300EC-AA39-42DF-9AAA-13D32A43029A}" type="datetimeFigureOut">
               <a:rPr lang="en-GB" smtClean="0"/>
-              <a:t>13/01/2022</a:t>
+              <a:t>17/01/2022</a:t>
             </a:fld>
             <a:endParaRPr lang="en-GB"/>
           </a:p>
@@ -868,7 +875,7 @@
           <a:p>
             <a:fld id="{C59300EC-AA39-42DF-9AAA-13D32A43029A}" type="datetimeFigureOut">
               <a:rPr lang="en-GB" smtClean="0"/>
-              <a:t>13/01/2022</a:t>
+              <a:t>17/01/2022</a:t>
             </a:fld>
             <a:endParaRPr lang="en-GB"/>
           </a:p>
@@ -1144,7 +1151,7 @@
           <a:p>
             <a:fld id="{C59300EC-AA39-42DF-9AAA-13D32A43029A}" type="datetimeFigureOut">
               <a:rPr lang="en-GB" smtClean="0"/>
-              <a:t>13/01/2022</a:t>
+              <a:t>17/01/2022</a:t>
             </a:fld>
             <a:endParaRPr lang="en-GB"/>
           </a:p>
@@ -1412,7 +1419,7 @@
           <a:p>
             <a:fld id="{C59300EC-AA39-42DF-9AAA-13D32A43029A}" type="datetimeFigureOut">
               <a:rPr lang="en-GB" smtClean="0"/>
-              <a:t>13/01/2022</a:t>
+              <a:t>17/01/2022</a:t>
             </a:fld>
             <a:endParaRPr lang="en-GB"/>
           </a:p>
@@ -1827,7 +1834,7 @@
           <a:p>
             <a:fld id="{C59300EC-AA39-42DF-9AAA-13D32A43029A}" type="datetimeFigureOut">
               <a:rPr lang="en-GB" smtClean="0"/>
-              <a:t>13/01/2022</a:t>
+              <a:t>17/01/2022</a:t>
             </a:fld>
             <a:endParaRPr lang="en-GB"/>
           </a:p>
@@ -1969,7 +1976,7 @@
           <a:p>
             <a:fld id="{C59300EC-AA39-42DF-9AAA-13D32A43029A}" type="datetimeFigureOut">
               <a:rPr lang="en-GB" smtClean="0"/>
-              <a:t>13/01/2022</a:t>
+              <a:t>17/01/2022</a:t>
             </a:fld>
             <a:endParaRPr lang="en-GB"/>
           </a:p>
@@ -2082,7 +2089,7 @@
           <a:p>
             <a:fld id="{C59300EC-AA39-42DF-9AAA-13D32A43029A}" type="datetimeFigureOut">
               <a:rPr lang="en-GB" smtClean="0"/>
-              <a:t>13/01/2022</a:t>
+              <a:t>17/01/2022</a:t>
             </a:fld>
             <a:endParaRPr lang="en-GB"/>
           </a:p>
@@ -2395,7 +2402,7 @@
           <a:p>
             <a:fld id="{C59300EC-AA39-42DF-9AAA-13D32A43029A}" type="datetimeFigureOut">
               <a:rPr lang="en-GB" smtClean="0"/>
-              <a:t>13/01/2022</a:t>
+              <a:t>17/01/2022</a:t>
             </a:fld>
             <a:endParaRPr lang="en-GB"/>
           </a:p>
@@ -2684,7 +2691,7 @@
           <a:p>
             <a:fld id="{C59300EC-AA39-42DF-9AAA-13D32A43029A}" type="datetimeFigureOut">
               <a:rPr lang="en-GB" smtClean="0"/>
-              <a:t>13/01/2022</a:t>
+              <a:t>17/01/2022</a:t>
             </a:fld>
             <a:endParaRPr lang="en-GB"/>
           </a:p>
@@ -2927,7 +2934,7 @@
           <a:p>
             <a:fld id="{C59300EC-AA39-42DF-9AAA-13D32A43029A}" type="datetimeFigureOut">
               <a:rPr lang="en-GB" smtClean="0"/>
-              <a:t>13/01/2022</a:t>
+              <a:t>17/01/2022</a:t>
             </a:fld>
             <a:endParaRPr lang="en-GB"/>
           </a:p>
@@ -3429,7 +3436,7 @@
           <p:cNvPr id="2" name="Title 1">
             <a:extLst>
               <a:ext uri="{FF2B5EF4-FFF2-40B4-BE49-F238E27FC236}">
-                <a16:creationId xmlns:a16="http://schemas.microsoft.com/office/drawing/2014/main" id="{EE53624C-65D2-462A-A905-302CD9292345}"/>
+                <a16:creationId xmlns:a16="http://schemas.microsoft.com/office/drawing/2014/main" id="{C4168D9A-CF3D-4607-902F-042D623AD9C4}"/>
               </a:ext>
             </a:extLst>
           </p:cNvPr>
@@ -3447,7 +3454,7 @@
           <a:p>
             <a:r>
               <a:rPr lang="en-US" dirty="0"/>
-              <a:t>tools</a:t>
+              <a:t>Objectives</a:t>
             </a:r>
             <a:endParaRPr lang="en-GB" dirty="0"/>
           </a:p>
@@ -3458,7 +3465,7 @@
           <p:cNvPr id="3" name="Content Placeholder 2">
             <a:extLst>
               <a:ext uri="{FF2B5EF4-FFF2-40B4-BE49-F238E27FC236}">
-                <a16:creationId xmlns:a16="http://schemas.microsoft.com/office/drawing/2014/main" id="{B8F9BEC8-5A63-470B-B667-D6111976DABC}"/>
+                <a16:creationId xmlns:a16="http://schemas.microsoft.com/office/drawing/2014/main" id="{C191DD73-D9A0-4FAE-AF5D-42D207AACBCE}"/>
               </a:ext>
             </a:extLst>
           </p:cNvPr>
@@ -3476,24 +3483,19 @@
           <a:p>
             <a:r>
               <a:rPr lang="en-US" dirty="0"/>
-              <a:t>AWS ECR: private docker image </a:t>
-            </a:r>
-            <a:r>
-              <a:rPr lang="en-US" dirty="0" err="1"/>
-              <a:t>repositiory</a:t>
-            </a:r>
-            <a:endParaRPr lang="en-US" dirty="0"/>
+              <a:t>Deploy a front-end and back-end with High availability and scalability.</a:t>
+            </a:r>
           </a:p>
           <a:p>
             <a:r>
               <a:rPr lang="en-US" dirty="0"/>
-              <a:t>Amazon EKS</a:t>
+              <a:t>Fully automated pipeline of deployment.</a:t>
             </a:r>
           </a:p>
           <a:p>
             <a:r>
               <a:rPr lang="en-US" dirty="0"/>
-              <a:t>Terraform</a:t>
+              <a:t>Harness the power of Amazon Web Services.</a:t>
             </a:r>
             <a:endParaRPr lang="en-GB" dirty="0"/>
           </a:p>
@@ -3502,7 +3504,7 @@
     </p:spTree>
     <p:extLst>
       <p:ext uri="{BB962C8B-B14F-4D97-AF65-F5344CB8AC3E}">
-        <p14:creationId xmlns:p14="http://schemas.microsoft.com/office/powerpoint/2010/main" val="3758892689"/>
+        <p14:creationId xmlns:p14="http://schemas.microsoft.com/office/powerpoint/2010/main" val="3158513065"/>
       </p:ext>
     </p:extLst>
   </p:cSld>
@@ -3534,6 +3536,111 @@
           <p:cNvPr id="2" name="Title 1">
             <a:extLst>
               <a:ext uri="{FF2B5EF4-FFF2-40B4-BE49-F238E27FC236}">
+                <a16:creationId xmlns:a16="http://schemas.microsoft.com/office/drawing/2014/main" id="{EE53624C-65D2-462A-A905-302CD9292345}"/>
+              </a:ext>
+            </a:extLst>
+          </p:cNvPr>
+          <p:cNvSpPr>
+            <a:spLocks noGrp="1"/>
+          </p:cNvSpPr>
+          <p:nvPr>
+            <p:ph type="title"/>
+          </p:nvPr>
+        </p:nvSpPr>
+        <p:spPr/>
+        <p:txBody>
+          <a:bodyPr/>
+          <a:lstStyle/>
+          <a:p>
+            <a:r>
+              <a:rPr lang="en-US" dirty="0"/>
+              <a:t>tools</a:t>
+            </a:r>
+            <a:endParaRPr lang="en-GB" dirty="0"/>
+          </a:p>
+        </p:txBody>
+      </p:sp>
+      <p:sp>
+        <p:nvSpPr>
+          <p:cNvPr id="3" name="Content Placeholder 2">
+            <a:extLst>
+              <a:ext uri="{FF2B5EF4-FFF2-40B4-BE49-F238E27FC236}">
+                <a16:creationId xmlns:a16="http://schemas.microsoft.com/office/drawing/2014/main" id="{B8F9BEC8-5A63-470B-B667-D6111976DABC}"/>
+              </a:ext>
+            </a:extLst>
+          </p:cNvPr>
+          <p:cNvSpPr>
+            <a:spLocks noGrp="1"/>
+          </p:cNvSpPr>
+          <p:nvPr>
+            <p:ph idx="1"/>
+          </p:nvPr>
+        </p:nvSpPr>
+        <p:spPr/>
+        <p:txBody>
+          <a:bodyPr/>
+          <a:lstStyle/>
+          <a:p>
+            <a:r>
+              <a:rPr lang="en-US" dirty="0"/>
+              <a:t>AWS ECR: private docker image </a:t>
+            </a:r>
+            <a:r>
+              <a:rPr lang="en-US" dirty="0" err="1"/>
+              <a:t>repositiory</a:t>
+            </a:r>
+            <a:endParaRPr lang="en-US" dirty="0"/>
+          </a:p>
+          <a:p>
+            <a:r>
+              <a:rPr lang="en-US" dirty="0"/>
+              <a:t>Amazon EKS</a:t>
+            </a:r>
+          </a:p>
+          <a:p>
+            <a:r>
+              <a:rPr lang="en-US" dirty="0"/>
+              <a:t>Terraform</a:t>
+            </a:r>
+            <a:endParaRPr lang="en-GB" dirty="0"/>
+          </a:p>
+        </p:txBody>
+      </p:sp>
+    </p:spTree>
+    <p:extLst>
+      <p:ext uri="{BB962C8B-B14F-4D97-AF65-F5344CB8AC3E}">
+        <p14:creationId xmlns:p14="http://schemas.microsoft.com/office/powerpoint/2010/main" val="3758892689"/>
+      </p:ext>
+    </p:extLst>
+  </p:cSld>
+  <p:clrMapOvr>
+    <a:masterClrMapping/>
+  </p:clrMapOvr>
+</p:sld>
+</file>
+
+<file path=ppt/slides/slide4.xml><?xml version="1.0" encoding="utf-8"?>
+<p:sld xmlns:a="http://schemas.openxmlformats.org/drawingml/2006/main" xmlns:r="http://schemas.openxmlformats.org/officeDocument/2006/relationships" xmlns:p="http://schemas.openxmlformats.org/presentationml/2006/main">
+  <p:cSld>
+    <p:spTree>
+      <p:nvGrpSpPr>
+        <p:cNvPr id="1" name=""/>
+        <p:cNvGrpSpPr/>
+        <p:nvPr/>
+      </p:nvGrpSpPr>
+      <p:grpSpPr>
+        <a:xfrm>
+          <a:off x="0" y="0"/>
+          <a:ext cx="0" cy="0"/>
+          <a:chOff x="0" y="0"/>
+          <a:chExt cx="0" cy="0"/>
+        </a:xfrm>
+      </p:grpSpPr>
+      <p:sp>
+        <p:nvSpPr>
+          <p:cNvPr id="2" name="Title 1">
+            <a:extLst>
+              <a:ext uri="{FF2B5EF4-FFF2-40B4-BE49-F238E27FC236}">
                 <a16:creationId xmlns:a16="http://schemas.microsoft.com/office/drawing/2014/main" id="{7D1780FB-5CB6-4F19-9B43-DE6F0963161B}"/>
               </a:ext>
             </a:extLst>
@@ -3550,7 +3657,11 @@
           <a:bodyPr/>
           <a:lstStyle/>
           <a:p>
-            <a:endParaRPr lang="en-GB"/>
+            <a:r>
+              <a:rPr lang="en-US" dirty="0"/>
+              <a:t>Deployment type</a:t>
+            </a:r>
+            <a:endParaRPr lang="en-GB" dirty="0"/>
           </a:p>
         </p:txBody>
       </p:sp>
@@ -3591,6 +3702,94 @@
     <p:extLst>
       <p:ext uri="{BB962C8B-B14F-4D97-AF65-F5344CB8AC3E}">
         <p14:creationId xmlns:p14="http://schemas.microsoft.com/office/powerpoint/2010/main" val="3128101662"/>
+      </p:ext>
+    </p:extLst>
+  </p:cSld>
+  <p:clrMapOvr>
+    <a:masterClrMapping/>
+  </p:clrMapOvr>
+</p:sld>
+</file>
+
+<file path=ppt/slides/slide5.xml><?xml version="1.0" encoding="utf-8"?>
+<p:sld xmlns:a="http://schemas.openxmlformats.org/drawingml/2006/main" xmlns:r="http://schemas.openxmlformats.org/officeDocument/2006/relationships" xmlns:p="http://schemas.openxmlformats.org/presentationml/2006/main">
+  <p:cSld>
+    <p:spTree>
+      <p:nvGrpSpPr>
+        <p:cNvPr id="1" name=""/>
+        <p:cNvGrpSpPr/>
+        <p:nvPr/>
+      </p:nvGrpSpPr>
+      <p:grpSpPr>
+        <a:xfrm>
+          <a:off x="0" y="0"/>
+          <a:ext cx="0" cy="0"/>
+          <a:chOff x="0" y="0"/>
+          <a:chExt cx="0" cy="0"/>
+        </a:xfrm>
+      </p:grpSpPr>
+      <p:sp>
+        <p:nvSpPr>
+          <p:cNvPr id="2" name="Title 1">
+            <a:extLst>
+              <a:ext uri="{FF2B5EF4-FFF2-40B4-BE49-F238E27FC236}">
+                <a16:creationId xmlns:a16="http://schemas.microsoft.com/office/drawing/2014/main" id="{31D43AEC-35D1-4345-9506-422E8028BFD3}"/>
+              </a:ext>
+            </a:extLst>
+          </p:cNvPr>
+          <p:cNvSpPr>
+            <a:spLocks noGrp="1"/>
+          </p:cNvSpPr>
+          <p:nvPr>
+            <p:ph type="title"/>
+          </p:nvPr>
+        </p:nvSpPr>
+        <p:spPr/>
+        <p:txBody>
+          <a:bodyPr/>
+          <a:lstStyle/>
+          <a:p>
+            <a:r>
+              <a:rPr lang="en-US" dirty="0"/>
+              <a:t>What the deployment would </a:t>
+            </a:r>
+            <a:r>
+              <a:rPr lang="en-US"/>
+              <a:t>look like.</a:t>
+            </a:r>
+            <a:endParaRPr lang="en-GB"/>
+          </a:p>
+        </p:txBody>
+      </p:sp>
+      <p:sp>
+        <p:nvSpPr>
+          <p:cNvPr id="3" name="Content Placeholder 2">
+            <a:extLst>
+              <a:ext uri="{FF2B5EF4-FFF2-40B4-BE49-F238E27FC236}">
+                <a16:creationId xmlns:a16="http://schemas.microsoft.com/office/drawing/2014/main" id="{F6E75E05-100F-4447-97AB-949FAFDA80F6}"/>
+              </a:ext>
+            </a:extLst>
+          </p:cNvPr>
+          <p:cNvSpPr>
+            <a:spLocks noGrp="1"/>
+          </p:cNvSpPr>
+          <p:nvPr>
+            <p:ph idx="1"/>
+          </p:nvPr>
+        </p:nvSpPr>
+        <p:spPr/>
+        <p:txBody>
+          <a:bodyPr/>
+          <a:lstStyle/>
+          <a:p>
+            <a:endParaRPr lang="en-GB"/>
+          </a:p>
+        </p:txBody>
+      </p:sp>
+    </p:spTree>
+    <p:extLst>
+      <p:ext uri="{BB962C8B-B14F-4D97-AF65-F5344CB8AC3E}">
+        <p14:creationId xmlns:p14="http://schemas.microsoft.com/office/powerpoint/2010/main" val="1338778993"/>
       </p:ext>
     </p:extLst>
   </p:cSld>

--- a/New Microsoft PowerPoint Presentation.pptx
+++ b/New Microsoft PowerPoint Presentation.pptx
@@ -10,6 +10,7 @@
     <p:sldId id="257" r:id="rId4"/>
     <p:sldId id="258" r:id="rId5"/>
     <p:sldId id="260" r:id="rId6"/>
+    <p:sldId id="261" r:id="rId7"/>
   </p:sldIdLst>
   <p:sldSz cx="12192000" cy="6858000"/>
   <p:notesSz cx="6858000" cy="9144000"/>
@@ -3799,6 +3800,112 @@
 </p:sld>
 </file>
 
+<file path=ppt/slides/slide6.xml><?xml version="1.0" encoding="utf-8"?>
+<p:sld xmlns:a="http://schemas.openxmlformats.org/drawingml/2006/main" xmlns:r="http://schemas.openxmlformats.org/officeDocument/2006/relationships" xmlns:p="http://schemas.openxmlformats.org/presentationml/2006/main">
+  <p:cSld>
+    <p:spTree>
+      <p:nvGrpSpPr>
+        <p:cNvPr id="1" name=""/>
+        <p:cNvGrpSpPr/>
+        <p:nvPr/>
+      </p:nvGrpSpPr>
+      <p:grpSpPr>
+        <a:xfrm>
+          <a:off x="0" y="0"/>
+          <a:ext cx="0" cy="0"/>
+          <a:chOff x="0" y="0"/>
+          <a:chExt cx="0" cy="0"/>
+        </a:xfrm>
+      </p:grpSpPr>
+      <p:sp>
+        <p:nvSpPr>
+          <p:cNvPr id="2" name="Title 1">
+            <a:extLst>
+              <a:ext uri="{FF2B5EF4-FFF2-40B4-BE49-F238E27FC236}">
+                <a16:creationId xmlns:a16="http://schemas.microsoft.com/office/drawing/2014/main" id="{FF4779A9-5963-44F2-8306-9610BA40F075}"/>
+              </a:ext>
+            </a:extLst>
+          </p:cNvPr>
+          <p:cNvSpPr>
+            <a:spLocks noGrp="1"/>
+          </p:cNvSpPr>
+          <p:nvPr>
+            <p:ph type="title"/>
+          </p:nvPr>
+        </p:nvSpPr>
+        <p:spPr/>
+        <p:txBody>
+          <a:bodyPr/>
+          <a:lstStyle/>
+          <a:p>
+            <a:endParaRPr lang="en-GB"/>
+          </a:p>
+        </p:txBody>
+      </p:sp>
+      <p:sp>
+        <p:nvSpPr>
+          <p:cNvPr id="3" name="Content Placeholder 2">
+            <a:extLst>
+              <a:ext uri="{FF2B5EF4-FFF2-40B4-BE49-F238E27FC236}">
+                <a16:creationId xmlns:a16="http://schemas.microsoft.com/office/drawing/2014/main" id="{A3416FB5-58FD-45DD-862A-B2F7F781D153}"/>
+              </a:ext>
+            </a:extLst>
+          </p:cNvPr>
+          <p:cNvSpPr>
+            <a:spLocks noGrp="1"/>
+          </p:cNvSpPr>
+          <p:nvPr>
+            <p:ph idx="1"/>
+          </p:nvPr>
+        </p:nvSpPr>
+        <p:spPr/>
+        <p:txBody>
+          <a:bodyPr/>
+          <a:lstStyle/>
+          <a:p>
+            <a:r>
+              <a:rPr lang="en-US" dirty="0"/>
+              <a:t>1 container for back end</a:t>
+            </a:r>
+          </a:p>
+          <a:p>
+            <a:r>
+              <a:rPr lang="en-US" dirty="0"/>
+              <a:t>Multiple containers for front end.</a:t>
+            </a:r>
+          </a:p>
+          <a:p>
+            <a:endParaRPr lang="en-US" dirty="0"/>
+          </a:p>
+          <a:p>
+            <a:r>
+              <a:rPr lang="en-US" dirty="0"/>
+              <a:t>No persistency for back end if containerized</a:t>
+            </a:r>
+          </a:p>
+          <a:p>
+            <a:pPr lvl="1"/>
+            <a:r>
+              <a:rPr lang="en-US" dirty="0"/>
+              <a:t>Would require redesigning.</a:t>
+            </a:r>
+            <a:endParaRPr lang="en-GB" dirty="0"/>
+          </a:p>
+        </p:txBody>
+      </p:sp>
+    </p:spTree>
+    <p:extLst>
+      <p:ext uri="{BB962C8B-B14F-4D97-AF65-F5344CB8AC3E}">
+        <p14:creationId xmlns:p14="http://schemas.microsoft.com/office/powerpoint/2010/main" val="681423341"/>
+      </p:ext>
+    </p:extLst>
+  </p:cSld>
+  <p:clrMapOvr>
+    <a:masterClrMapping/>
+  </p:clrMapOvr>
+</p:sld>
+</file>
+
 <file path=ppt/theme/theme1.xml><?xml version="1.0" encoding="utf-8"?>
 <a:theme xmlns:a="http://schemas.openxmlformats.org/drawingml/2006/main" name="Office Theme">
   <a:themeElements>
